--- a/lectures/11-28-Hackathon.pptx
+++ b/lectures/11-28-Hackathon.pptx
@@ -6066,7 +6066,6 @@
               <a:rPr lang="en-US" dirty="0" smtClean="0"/>
               <a:t>25% of the project grade.  Email your grade to Karl after class</a:t>
             </a:r>
-            <a:endParaRPr lang="en-US" dirty="0" smtClean="0"/>
           </a:p>
           <a:p>
             <a:pPr lvl="1"/>
@@ -6098,7 +6097,6 @@
               <a:rPr lang="en-US" dirty="0" smtClean="0"/>
               <a:t>Reminder</a:t>
             </a:r>
-            <a:endParaRPr lang="en-US" dirty="0" smtClean="0"/>
           </a:p>
         </p:txBody>
       </p:sp>
@@ -6225,14 +6223,22 @@
             <a:pPr lvl="1"/>
             <a:r>
               <a:rPr lang="en-US" dirty="0" smtClean="0"/>
-              <a:t>Ray tracing</a:t>
+              <a:t>Ray </a:t>
+            </a:r>
+            <a:r>
+              <a:rPr lang="en-US" dirty="0" smtClean="0"/>
+              <a:t>tracing</a:t>
             </a:r>
           </a:p>
           <a:p>
             <a:pPr lvl="1"/>
             <a:r>
               <a:rPr lang="en-US" dirty="0" smtClean="0"/>
-              <a:t>Ray marching distance fields</a:t>
+              <a:t>Ray </a:t>
+            </a:r>
+            <a:r>
+              <a:rPr lang="en-US" dirty="0" smtClean="0"/>
+              <a:t>marching distance fields</a:t>
             </a:r>
           </a:p>
           <a:p>
@@ -6410,29 +6416,15 @@
               <a:rPr lang="en-US" sz="1600" dirty="0" smtClean="0">
                 <a:hlinkClick r:id="rId5"/>
               </a:rPr>
-              <a:t>Example</a:t>
+              <a:t>Reference</a:t>
             </a:r>
             <a:r>
               <a:rPr lang="en-US" sz="1600" dirty="0" smtClean="0"/>
-              <a:t> from Mr. </a:t>
-            </a:r>
-            <a:r>
-              <a:rPr lang="en-US" sz="1600" dirty="0" err="1" smtClean="0"/>
-              <a:t>Doob</a:t>
-            </a:r>
-            <a:endParaRPr lang="en-US" sz="1600" dirty="0"/>
-          </a:p>
-          <a:p>
-            <a:pPr lvl="1"/>
-            <a:r>
-              <a:rPr lang="en-US" sz="1600" dirty="0" smtClean="0">
-                <a:hlinkClick r:id="rId6"/>
-              </a:rPr>
-              <a:t>Reference</a:t>
+              <a:t> </a:t>
             </a:r>
             <a:r>
               <a:rPr lang="en-US" sz="1600" dirty="0" smtClean="0"/>
-              <a:t> from </a:t>
+              <a:t>from </a:t>
             </a:r>
             <a:r>
               <a:rPr lang="en-US" sz="1600" dirty="0" err="1" smtClean="0"/>
@@ -6691,7 +6683,6 @@
               <a:rPr lang="en-US" dirty="0" smtClean="0"/>
               <a:t>Schedule</a:t>
             </a:r>
-            <a:endParaRPr lang="en-US" dirty="0" smtClean="0"/>
           </a:p>
         </p:txBody>
       </p:sp>
@@ -6753,7 +6744,6 @@
               <a:rPr lang="en-US" dirty="0" smtClean="0"/>
               <a:t>Followed by prizes</a:t>
             </a:r>
-            <a:endParaRPr lang="en-US" dirty="0" smtClean="0"/>
           </a:p>
         </p:txBody>
       </p:sp>
@@ -6972,7 +6962,6 @@
               <a:rPr lang="en-US" dirty="0" smtClean="0"/>
               <a:t>Prizes</a:t>
             </a:r>
-            <a:endParaRPr lang="en-US" dirty="0" smtClean="0"/>
           </a:p>
         </p:txBody>
       </p:sp>
@@ -7039,7 +7028,6 @@
               <a:rPr lang="en-US" dirty="0" smtClean="0"/>
               <a:t>Cesium tee-shirts</a:t>
             </a:r>
-            <a:endParaRPr lang="en-US" dirty="0" smtClean="0"/>
           </a:p>
         </p:txBody>
       </p:sp>
